--- a/Semana 5/clase5.pptx
+++ b/Semana 5/clase5.pptx
@@ -10757,11 +10757,9 @@
               <a:t>while</a:t>
             </a:r>
             <a:r>
-              <a:rPr lang="es-CR" sz="2500" dirty="0"/>
+              <a:rPr lang="es-CR" sz="2500"/>
               <a:t>)</a:t>
             </a:r>
-          </a:p>
-          <a:p>
             <a:br>
               <a:rPr lang="es-CR" sz="2500" dirty="0"/>
             </a:br>
@@ -11263,6 +11261,18 @@
             <a:r>
               <a:rPr lang="es-CR" dirty="0"/>
               <a:t>Estatuto </a:t>
+            </a:r>
+            <a:r>
+              <a:rPr lang="es-CR" dirty="0" err="1"/>
+              <a:t>while</a:t>
+            </a:r>
+            <a:endParaRPr lang="es-CR" dirty="0"/>
+          </a:p>
+          <a:p>
+            <a:pPr lvl="1"/>
+            <a:r>
+              <a:rPr lang="es-CR" dirty="0"/>
+              <a:t>Estatuto do-</a:t>
             </a:r>
             <a:r>
               <a:rPr lang="es-CR" dirty="0" err="1"/>
